--- a/Documentation/Presentation.pptx
+++ b/Documentation/Presentation.pptx
@@ -118,6 +118,11 @@
       </a:defRPr>
     </a:lvl9pPr>
   </p:defaultTextStyle>
+  <p:extLst>
+    <p:ext uri="{EFAFB233-063F-42B5-8137-9DF3F51BA10A}">
+      <p15:sldGuideLst xmlns:p15="http://schemas.microsoft.com/office/powerpoint/2012/main"/>
+    </p:ext>
+  </p:extLst>
 </p:presentation>
 </file>
 
@@ -690,6 +695,100 @@
     <p:extLst>
       <p:ext uri="{BB962C8B-B14F-4D97-AF65-F5344CB8AC3E}">
         <p14:creationId xmlns:p14="http://schemas.microsoft.com/office/powerpoint/2010/main" val="3716016641"/>
+      </p:ext>
+    </p:extLst>
+  </p:cSld>
+  <p:clrMapOvr>
+    <a:masterClrMapping/>
+  </p:clrMapOvr>
+</p:notes>
+</file>
+
+<file path=ppt/notesSlides/notesSlide3.xml><?xml version="1.0" encoding="utf-8"?>
+<p:notes xmlns:a="http://schemas.openxmlformats.org/drawingml/2006/main" xmlns:r="http://schemas.openxmlformats.org/officeDocument/2006/relationships" xmlns:p="http://schemas.openxmlformats.org/presentationml/2006/main">
+  <p:cSld>
+    <p:spTree>
+      <p:nvGrpSpPr>
+        <p:cNvPr id="1" name=""/>
+        <p:cNvGrpSpPr/>
+        <p:nvPr/>
+      </p:nvGrpSpPr>
+      <p:grpSpPr>
+        <a:xfrm>
+          <a:off x="0" y="0"/>
+          <a:ext cx="0" cy="0"/>
+          <a:chOff x="0" y="0"/>
+          <a:chExt cx="0" cy="0"/>
+        </a:xfrm>
+      </p:grpSpPr>
+      <p:sp>
+        <p:nvSpPr>
+          <p:cNvPr id="2" name="Slide Image Placeholder 1"/>
+          <p:cNvSpPr>
+            <a:spLocks noGrp="1" noRot="1" noChangeAspect="1"/>
+          </p:cNvSpPr>
+          <p:nvPr>
+            <p:ph type="sldImg"/>
+          </p:nvPr>
+        </p:nvSpPr>
+        <p:spPr/>
+      </p:sp>
+      <p:sp>
+        <p:nvSpPr>
+          <p:cNvPr id="3" name="Notes Placeholder 2"/>
+          <p:cNvSpPr>
+            <a:spLocks noGrp="1"/>
+          </p:cNvSpPr>
+          <p:nvPr>
+            <p:ph type="body" idx="1"/>
+          </p:nvPr>
+        </p:nvSpPr>
+        <p:spPr/>
+        <p:txBody>
+          <a:bodyPr/>
+          <a:lstStyle/>
+          <a:p>
+            <a:r>
+              <a:rPr lang="en-GB" dirty="0" smtClean="0"/>
+              <a:t>Don’t forget to turn</a:t>
+            </a:r>
+            <a:r>
+              <a:rPr lang="en-GB" baseline="0" dirty="0" smtClean="0"/>
+              <a:t> it all on</a:t>
+            </a:r>
+          </a:p>
+          <a:p>
+            <a:endParaRPr lang="en-GB" dirty="0"/>
+          </a:p>
+        </p:txBody>
+      </p:sp>
+      <p:sp>
+        <p:nvSpPr>
+          <p:cNvPr id="4" name="Slide Number Placeholder 3"/>
+          <p:cNvSpPr>
+            <a:spLocks noGrp="1"/>
+          </p:cNvSpPr>
+          <p:nvPr>
+            <p:ph type="sldNum" sz="quarter" idx="10"/>
+          </p:nvPr>
+        </p:nvSpPr>
+        <p:spPr/>
+        <p:txBody>
+          <a:bodyPr/>
+          <a:lstStyle/>
+          <a:p>
+            <a:fld id="{809831A5-8BA3-4891-8C06-08C2D3B8971D}" type="slidenum">
+              <a:rPr lang="en-GB" smtClean="0"/>
+              <a:t>10</a:t>
+            </a:fld>
+            <a:endParaRPr lang="en-GB"/>
+          </a:p>
+        </p:txBody>
+      </p:sp>
+    </p:spTree>
+    <p:extLst>
+      <p:ext uri="{BB962C8B-B14F-4D97-AF65-F5344CB8AC3E}">
+        <p14:creationId xmlns:p14="http://schemas.microsoft.com/office/powerpoint/2010/main" val="2086221150"/>
       </p:ext>
     </p:extLst>
   </p:cSld>
@@ -4668,7 +4767,7 @@
           <p:nvPr/>
         </p:nvPicPr>
         <p:blipFill>
-          <a:blip r:embed="rId2">
+          <a:blip r:embed="rId3">
             <a:extLst>
               <a:ext uri="{28A0092B-C50C-407E-A947-70E740481C1C}">
                 <a14:useLocalDpi xmlns:a14="http://schemas.microsoft.com/office/drawing/2010/main" val="0"/>
@@ -4689,6 +4788,42 @@
           </a:prstGeom>
         </p:spPr>
       </p:pic>
+      <p:sp>
+        <p:nvSpPr>
+          <p:cNvPr id="3" name="TextBox 2"/>
+          <p:cNvSpPr txBox="1"/>
+          <p:nvPr/>
+        </p:nvSpPr>
+        <p:spPr>
+          <a:xfrm>
+            <a:off x="1575173" y="5722374"/>
+            <a:ext cx="4360405" cy="646331"/>
+          </a:xfrm>
+          <a:prstGeom prst="rect">
+            <a:avLst/>
+          </a:prstGeom>
+          <a:noFill/>
+        </p:spPr>
+        <p:txBody>
+          <a:bodyPr wrap="square" rtlCol="0">
+            <a:spAutoFit/>
+          </a:bodyPr>
+          <a:lstStyle/>
+          <a:p>
+            <a:r>
+              <a:rPr lang="en-GB" dirty="0" smtClean="0">
+                <a:hlinkClick r:id="rId4"/>
+              </a:rPr>
+              <a:t>Workout Log</a:t>
+            </a:r>
+            <a:r>
+              <a:rPr lang="en-GB" dirty="0" smtClean="0"/>
+              <a:t> = http://35.204.10.247:5000</a:t>
+            </a:r>
+            <a:endParaRPr lang="en-GB" dirty="0"/>
+          </a:p>
+        </p:txBody>
+      </p:sp>
     </p:spTree>
     <p:extLst>
       <p:ext uri="{BB962C8B-B14F-4D97-AF65-F5344CB8AC3E}">

--- a/Documentation/Presentation.pptx
+++ b/Documentation/Presentation.pptx
@@ -5187,7 +5187,7 @@
         </p:blipFill>
         <p:spPr>
           <a:xfrm>
-            <a:off x="1936121" y="1965791"/>
+            <a:off x="3434225" y="1704534"/>
             <a:ext cx="8325853" cy="4145581"/>
           </a:xfrm>
           <a:prstGeom prst="rect">
@@ -5195,6 +5195,69 @@
           </a:prstGeom>
         </p:spPr>
       </p:pic>
+      <p:sp>
+        <p:nvSpPr>
+          <p:cNvPr id="3" name="TextBox 2"/>
+          <p:cNvSpPr txBox="1"/>
+          <p:nvPr/>
+        </p:nvSpPr>
+        <p:spPr>
+          <a:xfrm>
+            <a:off x="875212" y="2651760"/>
+            <a:ext cx="1946365" cy="1477328"/>
+          </a:xfrm>
+          <a:prstGeom prst="rect">
+            <a:avLst/>
+          </a:prstGeom>
+          <a:noFill/>
+        </p:spPr>
+        <p:txBody>
+          <a:bodyPr wrap="square" rtlCol="0">
+            <a:spAutoFit/>
+          </a:bodyPr>
+          <a:lstStyle/>
+          <a:p>
+            <a:pPr marL="285750" indent="-285750">
+              <a:buFontTx/>
+              <a:buChar char="-"/>
+            </a:pPr>
+            <a:r>
+              <a:rPr lang="en-GB" dirty="0" smtClean="0"/>
+              <a:t>User stories</a:t>
+            </a:r>
+          </a:p>
+          <a:p>
+            <a:pPr marL="285750" indent="-285750">
+              <a:buFontTx/>
+              <a:buChar char="-"/>
+            </a:pPr>
+            <a:r>
+              <a:rPr lang="en-GB" dirty="0" smtClean="0"/>
+              <a:t>Risks </a:t>
+            </a:r>
+          </a:p>
+          <a:p>
+            <a:pPr marL="285750" indent="-285750">
+              <a:buFontTx/>
+              <a:buChar char="-"/>
+            </a:pPr>
+            <a:r>
+              <a:rPr lang="en-GB" dirty="0" smtClean="0"/>
+              <a:t>MSCW</a:t>
+            </a:r>
+          </a:p>
+          <a:p>
+            <a:pPr marL="285750" indent="-285750">
+              <a:buFontTx/>
+              <a:buChar char="-"/>
+            </a:pPr>
+            <a:endParaRPr lang="en-GB" dirty="0" smtClean="0"/>
+          </a:p>
+          <a:p>
+            <a:endParaRPr lang="en-GB" dirty="0"/>
+          </a:p>
+        </p:txBody>
+      </p:sp>
     </p:spTree>
     <p:extLst>
       <p:ext uri="{BB962C8B-B14F-4D97-AF65-F5344CB8AC3E}">

--- a/Documentation/Presentation.pptx
+++ b/Documentation/Presentation.pptx
@@ -5204,7 +5204,7 @@
         <p:spPr>
           <a:xfrm>
             <a:off x="875212" y="2651760"/>
-            <a:ext cx="1946365" cy="1477328"/>
+            <a:ext cx="1946365" cy="1754326"/>
           </a:xfrm>
           <a:prstGeom prst="rect">
             <a:avLst/>
@@ -5245,6 +5245,17 @@
               <a:rPr lang="en-GB" dirty="0" smtClean="0"/>
               <a:t>MSCW</a:t>
             </a:r>
+          </a:p>
+          <a:p>
+            <a:pPr marL="285750" indent="-285750">
+              <a:buFontTx/>
+              <a:buChar char="-"/>
+            </a:pPr>
+            <a:r>
+              <a:rPr lang="en-GB" dirty="0" smtClean="0"/>
+              <a:t>Things to do</a:t>
+            </a:r>
+            <a:endParaRPr lang="en-GB" dirty="0" smtClean="0"/>
           </a:p>
           <a:p>
             <a:pPr marL="285750" indent="-285750">
@@ -5682,8 +5693,8 @@
         </p:nvSpPr>
         <p:spPr>
           <a:xfrm>
-            <a:off x="6902250" y="2093976"/>
-            <a:ext cx="4411579" cy="1754326"/>
+            <a:off x="6915313" y="2433611"/>
+            <a:ext cx="4411579" cy="2031325"/>
           </a:xfrm>
           <a:prstGeom prst="rect">
             <a:avLst/>
@@ -5710,18 +5721,32 @@
             <a:endParaRPr lang="en-GB" dirty="0"/>
           </a:p>
           <a:p>
+            <a:r>
+              <a:rPr lang="en-GB" dirty="0" smtClean="0"/>
+              <a:t>70% with back end tests </a:t>
+            </a:r>
+          </a:p>
+          <a:p>
+            <a:endParaRPr lang="en-GB" dirty="0"/>
+          </a:p>
+          <a:p>
+            <a:r>
+              <a:rPr lang="en-GB" dirty="0" smtClean="0"/>
+              <a:t>59% without back end tests</a:t>
+            </a:r>
             <a:endParaRPr lang="en-GB" dirty="0" smtClean="0"/>
           </a:p>
           <a:p>
             <a:endParaRPr lang="en-GB" dirty="0"/>
           </a:p>
           <a:p>
-            <a:endParaRPr lang="en-GB" dirty="0" smtClean="0"/>
-          </a:p>
-          <a:p>
             <a:r>
               <a:rPr lang="en-GB" dirty="0" smtClean="0"/>
-              <a:t>Would’ve liked to give selenium a go </a:t>
+              <a:t>Would’ve </a:t>
+            </a:r>
+            <a:r>
+              <a:rPr lang="en-GB" dirty="0" smtClean="0"/>
+              <a:t>liked to give selenium a go </a:t>
             </a:r>
             <a:endParaRPr lang="en-GB" dirty="0"/>
           </a:p>
@@ -5814,8 +5839,8 @@
               <a:t>CI </a:t>
             </a:r>
             <a:r>
-              <a:rPr lang="en-GB" dirty="0" err="1" smtClean="0"/>
-              <a:t>pipline</a:t>
+              <a:rPr lang="en-GB" dirty="0" smtClean="0"/>
+              <a:t>pipeline</a:t>
             </a:r>
             <a:endParaRPr lang="en-GB" dirty="0"/>
           </a:p>

--- a/Documentation/Presentation.pptx
+++ b/Documentation/Presentation.pptx
@@ -5,7 +5,7 @@
     <p:sldMasterId id="2147483840" r:id="rId1"/>
   </p:sldMasterIdLst>
   <p:notesMasterIdLst>
-    <p:notesMasterId r:id="rId14"/>
+    <p:notesMasterId r:id="rId15"/>
   </p:notesMasterIdLst>
   <p:sldIdLst>
     <p:sldId id="256" r:id="rId2"/>
@@ -14,12 +14,13 @@
     <p:sldId id="259" r:id="rId5"/>
     <p:sldId id="265" r:id="rId6"/>
     <p:sldId id="267" r:id="rId7"/>
-    <p:sldId id="260" r:id="rId8"/>
-    <p:sldId id="266" r:id="rId9"/>
-    <p:sldId id="261" r:id="rId10"/>
-    <p:sldId id="264" r:id="rId11"/>
-    <p:sldId id="262" r:id="rId12"/>
-    <p:sldId id="263" r:id="rId13"/>
+    <p:sldId id="266" r:id="rId8"/>
+    <p:sldId id="260" r:id="rId9"/>
+    <p:sldId id="268" r:id="rId10"/>
+    <p:sldId id="261" r:id="rId11"/>
+    <p:sldId id="264" r:id="rId12"/>
+    <p:sldId id="262" r:id="rId13"/>
+    <p:sldId id="263" r:id="rId14"/>
   </p:sldIdLst>
   <p:sldSz cx="12192000" cy="6858000"/>
   <p:notesSz cx="6858000" cy="9144000"/>
@@ -685,7 +686,7 @@
           <a:p>
             <a:fld id="{809831A5-8BA3-4891-8C06-08C2D3B8971D}" type="slidenum">
               <a:rPr lang="en-GB" smtClean="0"/>
-              <a:t>8</a:t>
+              <a:t>7</a:t>
             </a:fld>
             <a:endParaRPr lang="en-GB"/>
           </a:p>
@@ -779,7 +780,7 @@
           <a:p>
             <a:fld id="{809831A5-8BA3-4891-8C06-08C2D3B8971D}" type="slidenum">
               <a:rPr lang="en-GB" smtClean="0"/>
-              <a:t>10</a:t>
+              <a:t>11</a:t>
             </a:fld>
             <a:endParaRPr lang="en-GB"/>
           </a:p>
@@ -4735,39 +4736,16 @@
           <a:chExt cx="0" cy="0"/>
         </a:xfrm>
       </p:grpSpPr>
-      <p:sp>
-        <p:nvSpPr>
-          <p:cNvPr id="2" name="Title 1"/>
-          <p:cNvSpPr>
-            <a:spLocks noGrp="1"/>
-          </p:cNvSpPr>
-          <p:nvPr>
-            <p:ph type="title"/>
-          </p:nvPr>
-        </p:nvSpPr>
-        <p:spPr/>
-        <p:txBody>
-          <a:bodyPr/>
-          <a:lstStyle/>
-          <a:p>
-            <a:r>
-              <a:rPr lang="en-GB" dirty="0" smtClean="0"/>
-              <a:t>Product demonstration</a:t>
-            </a:r>
-            <a:endParaRPr lang="en-GB" dirty="0"/>
-          </a:p>
-        </p:txBody>
-      </p:sp>
       <p:pic>
         <p:nvPicPr>
-          <p:cNvPr id="4" name="Picture 3"/>
+          <p:cNvPr id="5" name="Picture 4"/>
           <p:cNvPicPr>
             <a:picLocks noChangeAspect="1"/>
           </p:cNvPicPr>
           <p:nvPr/>
         </p:nvPicPr>
         <p:blipFill>
-          <a:blip r:embed="rId3">
+          <a:blip r:embed="rId2">
             <a:extLst>
               <a:ext uri="{28A0092B-C50C-407E-A947-70E740481C1C}">
                 <a14:useLocalDpi xmlns:a14="http://schemas.microsoft.com/office/drawing/2010/main" val="0"/>
@@ -4780,8 +4758,8 @@
         </p:blipFill>
         <p:spPr>
           <a:xfrm>
-            <a:off x="1575174" y="1649194"/>
-            <a:ext cx="9047747" cy="4472037"/>
+            <a:off x="1214227" y="1289304"/>
+            <a:ext cx="9769642" cy="4818672"/>
           </a:xfrm>
           <a:prstGeom prst="rect">
             <a:avLst/>
@@ -4790,35 +4768,22 @@
       </p:pic>
       <p:sp>
         <p:nvSpPr>
-          <p:cNvPr id="3" name="TextBox 2"/>
-          <p:cNvSpPr txBox="1"/>
-          <p:nvPr/>
-        </p:nvSpPr>
-        <p:spPr>
-          <a:xfrm>
-            <a:off x="1575173" y="5722374"/>
-            <a:ext cx="4360405" cy="646331"/>
-          </a:xfrm>
-          <a:prstGeom prst="rect">
-            <a:avLst/>
-          </a:prstGeom>
-          <a:noFill/>
-        </p:spPr>
-        <p:txBody>
-          <a:bodyPr wrap="square" rtlCol="0">
-            <a:spAutoFit/>
-          </a:bodyPr>
-          <a:lstStyle/>
-          <a:p>
-            <a:r>
-              <a:rPr lang="en-GB" dirty="0" smtClean="0">
-                <a:hlinkClick r:id="rId4"/>
-              </a:rPr>
-              <a:t>Workout Log</a:t>
-            </a:r>
+          <p:cNvPr id="2" name="Title 1"/>
+          <p:cNvSpPr>
+            <a:spLocks noGrp="1"/>
+          </p:cNvSpPr>
+          <p:nvPr>
+            <p:ph type="title"/>
+          </p:nvPr>
+        </p:nvSpPr>
+        <p:spPr/>
+        <p:txBody>
+          <a:bodyPr/>
+          <a:lstStyle/>
+          <a:p>
             <a:r>
               <a:rPr lang="en-GB" dirty="0" smtClean="0"/>
-              <a:t> = http://35.204.10.247:5000</a:t>
+              <a:t>Front end</a:t>
             </a:r>
             <a:endParaRPr lang="en-GB" dirty="0"/>
           </a:p>
@@ -4827,7 +4792,7 @@
     </p:spTree>
     <p:extLst>
       <p:ext uri="{BB962C8B-B14F-4D97-AF65-F5344CB8AC3E}">
-        <p14:creationId xmlns:p14="http://schemas.microsoft.com/office/powerpoint/2010/main" val="473131134"/>
+        <p14:creationId xmlns:p14="http://schemas.microsoft.com/office/powerpoint/2010/main" val="3012699763"/>
       </p:ext>
     </p:extLst>
   </p:cSld>
@@ -4878,6 +4843,132 @@
           <a:p>
             <a:r>
               <a:rPr lang="en-GB" dirty="0" smtClean="0"/>
+              <a:t>Product demonstration</a:t>
+            </a:r>
+            <a:endParaRPr lang="en-GB" dirty="0"/>
+          </a:p>
+        </p:txBody>
+      </p:sp>
+      <p:pic>
+        <p:nvPicPr>
+          <p:cNvPr id="4" name="Picture 3"/>
+          <p:cNvPicPr>
+            <a:picLocks noChangeAspect="1"/>
+          </p:cNvPicPr>
+          <p:nvPr/>
+        </p:nvPicPr>
+        <p:blipFill>
+          <a:blip r:embed="rId3">
+            <a:extLst>
+              <a:ext uri="{28A0092B-C50C-407E-A947-70E740481C1C}">
+                <a14:useLocalDpi xmlns:a14="http://schemas.microsoft.com/office/drawing/2010/main" val="0"/>
+              </a:ext>
+            </a:extLst>
+          </a:blip>
+          <a:stretch>
+            <a:fillRect/>
+          </a:stretch>
+        </p:blipFill>
+        <p:spPr>
+          <a:xfrm>
+            <a:off x="1575174" y="1649194"/>
+            <a:ext cx="9047747" cy="4472037"/>
+          </a:xfrm>
+          <a:prstGeom prst="rect">
+            <a:avLst/>
+          </a:prstGeom>
+        </p:spPr>
+      </p:pic>
+      <p:sp>
+        <p:nvSpPr>
+          <p:cNvPr id="3" name="TextBox 2"/>
+          <p:cNvSpPr txBox="1"/>
+          <p:nvPr/>
+        </p:nvSpPr>
+        <p:spPr>
+          <a:xfrm>
+            <a:off x="1575173" y="5722374"/>
+            <a:ext cx="4360405" cy="646331"/>
+          </a:xfrm>
+          <a:prstGeom prst="rect">
+            <a:avLst/>
+          </a:prstGeom>
+          <a:noFill/>
+        </p:spPr>
+        <p:txBody>
+          <a:bodyPr wrap="square" rtlCol="0">
+            <a:spAutoFit/>
+          </a:bodyPr>
+          <a:lstStyle/>
+          <a:p>
+            <a:r>
+              <a:rPr lang="en-GB" dirty="0" smtClean="0">
+                <a:hlinkClick r:id="rId4"/>
+              </a:rPr>
+              <a:t>Workout Log</a:t>
+            </a:r>
+            <a:r>
+              <a:rPr lang="en-GB" dirty="0" smtClean="0"/>
+              <a:t> = http://35.204.10.247:5000</a:t>
+            </a:r>
+            <a:endParaRPr lang="en-GB" dirty="0"/>
+          </a:p>
+        </p:txBody>
+      </p:sp>
+    </p:spTree>
+    <p:extLst>
+      <p:ext uri="{BB962C8B-B14F-4D97-AF65-F5344CB8AC3E}">
+        <p14:creationId xmlns:p14="http://schemas.microsoft.com/office/powerpoint/2010/main" val="473131134"/>
+      </p:ext>
+    </p:extLst>
+  </p:cSld>
+  <p:clrMapOvr>
+    <a:masterClrMapping/>
+  </p:clrMapOvr>
+  <p:timing>
+    <p:tnLst>
+      <p:par>
+        <p:cTn id="1" dur="indefinite" restart="never" nodeType="tmRoot"/>
+      </p:par>
+    </p:tnLst>
+  </p:timing>
+</p:sld>
+</file>
+
+<file path=ppt/slides/slide12.xml><?xml version="1.0" encoding="utf-8"?>
+<p:sld xmlns:a="http://schemas.openxmlformats.org/drawingml/2006/main" xmlns:r="http://schemas.openxmlformats.org/officeDocument/2006/relationships" xmlns:p="http://schemas.openxmlformats.org/presentationml/2006/main">
+  <p:cSld>
+    <p:spTree>
+      <p:nvGrpSpPr>
+        <p:cNvPr id="1" name=""/>
+        <p:cNvGrpSpPr/>
+        <p:nvPr/>
+      </p:nvGrpSpPr>
+      <p:grpSpPr>
+        <a:xfrm>
+          <a:off x="0" y="0"/>
+          <a:ext cx="0" cy="0"/>
+          <a:chOff x="0" y="0"/>
+          <a:chExt cx="0" cy="0"/>
+        </a:xfrm>
+      </p:grpSpPr>
+      <p:sp>
+        <p:nvSpPr>
+          <p:cNvPr id="2" name="Title 1"/>
+          <p:cNvSpPr>
+            <a:spLocks noGrp="1"/>
+          </p:cNvSpPr>
+          <p:nvPr>
+            <p:ph type="title"/>
+          </p:nvPr>
+        </p:nvSpPr>
+        <p:spPr/>
+        <p:txBody>
+          <a:bodyPr/>
+          <a:lstStyle/>
+          <a:p>
+            <a:r>
+              <a:rPr lang="en-GB" dirty="0" smtClean="0"/>
               <a:t>Summary</a:t>
             </a:r>
             <a:endParaRPr lang="en-GB" dirty="0"/>
@@ -4957,7 +5048,7 @@
 </p:sld>
 </file>
 
-<file path=ppt/slides/slide12.xml><?xml version="1.0" encoding="utf-8"?>
+<file path=ppt/slides/slide13.xml><?xml version="1.0" encoding="utf-8"?>
 <p:sld xmlns:a="http://schemas.openxmlformats.org/drawingml/2006/main" xmlns:r="http://schemas.openxmlformats.org/officeDocument/2006/relationships" xmlns:p="http://schemas.openxmlformats.org/presentationml/2006/main">
   <p:cSld>
     <p:spTree>
@@ -5255,7 +5346,6 @@
               <a:rPr lang="en-GB" dirty="0" smtClean="0"/>
               <a:t>Things to do</a:t>
             </a:r>
-            <a:endParaRPr lang="en-GB" dirty="0" smtClean="0"/>
           </a:p>
           <a:p>
             <a:pPr marL="285750" indent="-285750">
@@ -5632,29 +5722,6 @@
           <a:chExt cx="0" cy="0"/>
         </a:xfrm>
       </p:grpSpPr>
-      <p:sp>
-        <p:nvSpPr>
-          <p:cNvPr id="2" name="Title 1"/>
-          <p:cNvSpPr>
-            <a:spLocks noGrp="1"/>
-          </p:cNvSpPr>
-          <p:nvPr>
-            <p:ph type="title"/>
-          </p:nvPr>
-        </p:nvSpPr>
-        <p:spPr/>
-        <p:txBody>
-          <a:bodyPr/>
-          <a:lstStyle/>
-          <a:p>
-            <a:r>
-              <a:rPr lang="en-GB" dirty="0" smtClean="0"/>
-              <a:t>Testing</a:t>
-            </a:r>
-            <a:endParaRPr lang="en-GB" dirty="0"/>
-          </a:p>
-        </p:txBody>
-      </p:sp>
       <p:pic>
         <p:nvPicPr>
           <p:cNvPr id="4" name="Picture 3"/>
@@ -5664,7 +5731,7 @@
           <p:nvPr/>
         </p:nvPicPr>
         <p:blipFill>
-          <a:blip r:embed="rId2">
+          <a:blip r:embed="rId3">
             <a:extLst>
               <a:ext uri="{28A0092B-C50C-407E-A947-70E740481C1C}">
                 <a14:useLocalDpi xmlns:a14="http://schemas.microsoft.com/office/drawing/2010/main" val="0"/>
@@ -5677,8 +5744,8 @@
         </p:blipFill>
         <p:spPr>
           <a:xfrm>
-            <a:off x="1069848" y="2093976"/>
-            <a:ext cx="5275659" cy="3748122"/>
+            <a:off x="2126568" y="1066428"/>
+            <a:ext cx="7944959" cy="5334744"/>
           </a:xfrm>
           <a:prstGeom prst="rect">
             <a:avLst/>
@@ -5687,66 +5754,22 @@
       </p:pic>
       <p:sp>
         <p:nvSpPr>
-          <p:cNvPr id="5" name="TextBox 4"/>
-          <p:cNvSpPr txBox="1"/>
-          <p:nvPr/>
-        </p:nvSpPr>
-        <p:spPr>
-          <a:xfrm>
-            <a:off x="6915313" y="2433611"/>
-            <a:ext cx="4411579" cy="2031325"/>
-          </a:xfrm>
-          <a:prstGeom prst="rect">
-            <a:avLst/>
-          </a:prstGeom>
-          <a:noFill/>
-        </p:spPr>
-        <p:txBody>
-          <a:bodyPr wrap="square" rtlCol="0">
-            <a:spAutoFit/>
-          </a:bodyPr>
+          <p:cNvPr id="2" name="Title 1"/>
+          <p:cNvSpPr>
+            <a:spLocks noGrp="1"/>
+          </p:cNvSpPr>
+          <p:nvPr>
+            <p:ph type="title"/>
+          </p:nvPr>
+        </p:nvSpPr>
+        <p:spPr/>
+        <p:txBody>
+          <a:bodyPr/>
           <a:lstStyle/>
           <a:p>
             <a:r>
               <a:rPr lang="en-GB" dirty="0" smtClean="0"/>
-              <a:t>Tests run with </a:t>
-            </a:r>
-            <a:r>
-              <a:rPr lang="en-GB" dirty="0" err="1" smtClean="0"/>
-              <a:t>pytest</a:t>
-            </a:r>
-            <a:endParaRPr lang="en-GB" dirty="0" smtClean="0"/>
-          </a:p>
-          <a:p>
-            <a:endParaRPr lang="en-GB" dirty="0"/>
-          </a:p>
-          <a:p>
-            <a:r>
-              <a:rPr lang="en-GB" dirty="0" smtClean="0"/>
-              <a:t>70% with back end tests </a:t>
-            </a:r>
-          </a:p>
-          <a:p>
-            <a:endParaRPr lang="en-GB" dirty="0"/>
-          </a:p>
-          <a:p>
-            <a:r>
-              <a:rPr lang="en-GB" dirty="0" smtClean="0"/>
-              <a:t>59% without back end tests</a:t>
-            </a:r>
-            <a:endParaRPr lang="en-GB" dirty="0" smtClean="0"/>
-          </a:p>
-          <a:p>
-            <a:endParaRPr lang="en-GB" dirty="0"/>
-          </a:p>
-          <a:p>
-            <a:r>
-              <a:rPr lang="en-GB" dirty="0" smtClean="0"/>
-              <a:t>Would’ve </a:t>
-            </a:r>
-            <a:r>
-              <a:rPr lang="en-GB" dirty="0" smtClean="0"/>
-              <a:t>liked to give selenium a go </a:t>
+              <a:t>CI pipeline</a:t>
             </a:r>
             <a:endParaRPr lang="en-GB" dirty="0"/>
           </a:p>
@@ -5755,7 +5778,7 @@
     </p:spTree>
     <p:extLst>
       <p:ext uri="{BB962C8B-B14F-4D97-AF65-F5344CB8AC3E}">
-        <p14:creationId xmlns:p14="http://schemas.microsoft.com/office/powerpoint/2010/main" val="2623858744"/>
+        <p14:creationId xmlns:p14="http://schemas.microsoft.com/office/powerpoint/2010/main" val="890008858"/>
       </p:ext>
     </p:extLst>
   </p:cSld>
@@ -5789,6 +5812,29 @@
           <a:chExt cx="0" cy="0"/>
         </a:xfrm>
       </p:grpSpPr>
+      <p:sp>
+        <p:nvSpPr>
+          <p:cNvPr id="2" name="Title 1"/>
+          <p:cNvSpPr>
+            <a:spLocks noGrp="1"/>
+          </p:cNvSpPr>
+          <p:nvPr>
+            <p:ph type="title"/>
+          </p:nvPr>
+        </p:nvSpPr>
+        <p:spPr/>
+        <p:txBody>
+          <a:bodyPr/>
+          <a:lstStyle/>
+          <a:p>
+            <a:r>
+              <a:rPr lang="en-GB" dirty="0" smtClean="0"/>
+              <a:t>Testing</a:t>
+            </a:r>
+            <a:endParaRPr lang="en-GB" dirty="0"/>
+          </a:p>
+        </p:txBody>
+      </p:sp>
       <p:pic>
         <p:nvPicPr>
           <p:cNvPr id="4" name="Picture 3"/>
@@ -5798,7 +5844,7 @@
           <p:nvPr/>
         </p:nvPicPr>
         <p:blipFill>
-          <a:blip r:embed="rId3">
+          <a:blip r:embed="rId2">
             <a:extLst>
               <a:ext uri="{28A0092B-C50C-407E-A947-70E740481C1C}">
                 <a14:useLocalDpi xmlns:a14="http://schemas.microsoft.com/office/drawing/2010/main" val="0"/>
@@ -5811,8 +5857,8 @@
         </p:blipFill>
         <p:spPr>
           <a:xfrm>
-            <a:off x="2126568" y="1066428"/>
-            <a:ext cx="7944959" cy="5334744"/>
+            <a:off x="1069848" y="2093976"/>
+            <a:ext cx="5275659" cy="3748122"/>
           </a:xfrm>
           <a:prstGeom prst="rect">
             <a:avLst/>
@@ -5821,26 +5867,61 @@
       </p:pic>
       <p:sp>
         <p:nvSpPr>
-          <p:cNvPr id="2" name="Title 1"/>
-          <p:cNvSpPr>
-            <a:spLocks noGrp="1"/>
-          </p:cNvSpPr>
-          <p:nvPr>
-            <p:ph type="title"/>
-          </p:nvPr>
-        </p:nvSpPr>
-        <p:spPr/>
-        <p:txBody>
-          <a:bodyPr/>
+          <p:cNvPr id="5" name="TextBox 4"/>
+          <p:cNvSpPr txBox="1"/>
+          <p:nvPr/>
+        </p:nvSpPr>
+        <p:spPr>
+          <a:xfrm>
+            <a:off x="6915313" y="2433611"/>
+            <a:ext cx="4411579" cy="2031325"/>
+          </a:xfrm>
+          <a:prstGeom prst="rect">
+            <a:avLst/>
+          </a:prstGeom>
+          <a:noFill/>
+        </p:spPr>
+        <p:txBody>
+          <a:bodyPr wrap="square" rtlCol="0">
+            <a:spAutoFit/>
+          </a:bodyPr>
           <a:lstStyle/>
           <a:p>
             <a:r>
               <a:rPr lang="en-GB" dirty="0" smtClean="0"/>
-              <a:t>CI </a:t>
-            </a:r>
+              <a:t>Tests run with </a:t>
+            </a:r>
+            <a:r>
+              <a:rPr lang="en-GB" dirty="0" err="1" smtClean="0"/>
+              <a:t>pytest</a:t>
+            </a:r>
+            <a:endParaRPr lang="en-GB" dirty="0" smtClean="0"/>
+          </a:p>
+          <a:p>
+            <a:endParaRPr lang="en-GB" dirty="0"/>
+          </a:p>
+          <a:p>
             <a:r>
               <a:rPr lang="en-GB" dirty="0" smtClean="0"/>
-              <a:t>pipeline</a:t>
+              <a:t>70% with back end tests </a:t>
+            </a:r>
+          </a:p>
+          <a:p>
+            <a:endParaRPr lang="en-GB" dirty="0"/>
+          </a:p>
+          <a:p>
+            <a:r>
+              <a:rPr lang="en-GB" dirty="0" smtClean="0"/>
+              <a:t>59% without back end tests</a:t>
+            </a:r>
+          </a:p>
+          <a:p>
+            <a:endParaRPr lang="en-GB" dirty="0"/>
+          </a:p>
+          <a:p>
+            <a:r>
+              <a:rPr lang="en-GB" dirty="0" smtClean="0"/>
+              <a:t>Would’ve liked to give selenium a go </a:t>
             </a:r>
             <a:endParaRPr lang="en-GB" dirty="0"/>
           </a:p>
@@ -5849,7 +5930,7 @@
     </p:spTree>
     <p:extLst>
       <p:ext uri="{BB962C8B-B14F-4D97-AF65-F5344CB8AC3E}">
-        <p14:creationId xmlns:p14="http://schemas.microsoft.com/office/powerpoint/2010/main" val="890008858"/>
+        <p14:creationId xmlns:p14="http://schemas.microsoft.com/office/powerpoint/2010/main" val="2623858744"/>
       </p:ext>
     </p:extLst>
   </p:cSld>
@@ -5883,13 +5964,38 @@
           <a:chExt cx="0" cy="0"/>
         </a:xfrm>
       </p:grpSpPr>
+      <p:sp>
+        <p:nvSpPr>
+          <p:cNvPr id="2" name="Title 1"/>
+          <p:cNvSpPr>
+            <a:spLocks noGrp="1"/>
+          </p:cNvSpPr>
+          <p:nvPr>
+            <p:ph type="title"/>
+          </p:nvPr>
+        </p:nvSpPr>
+        <p:spPr/>
+        <p:txBody>
+          <a:bodyPr/>
+          <a:lstStyle/>
+          <a:p>
+            <a:r>
+              <a:rPr lang="en-GB" dirty="0" smtClean="0"/>
+              <a:t>Deployment</a:t>
+            </a:r>
+            <a:endParaRPr lang="en-GB" dirty="0"/>
+          </a:p>
+        </p:txBody>
+      </p:sp>
       <p:pic>
         <p:nvPicPr>
-          <p:cNvPr id="5" name="Picture 4"/>
+          <p:cNvPr id="4" name="Content Placeholder 3"/>
           <p:cNvPicPr>
-            <a:picLocks noChangeAspect="1"/>
+            <a:picLocks noGrp="1" noChangeAspect="1"/>
           </p:cNvPicPr>
-          <p:nvPr/>
+          <p:nvPr>
+            <p:ph idx="1"/>
+          </p:nvPr>
         </p:nvPicPr>
         <p:blipFill>
           <a:blip r:embed="rId2">
@@ -5905,54 +6011,21 @@
         </p:blipFill>
         <p:spPr>
           <a:xfrm>
-            <a:off x="1214227" y="1289304"/>
-            <a:ext cx="9769642" cy="4818672"/>
+            <a:off x="1069975" y="2327968"/>
+            <a:ext cx="10058400" cy="3637163"/>
           </a:xfrm>
-          <a:prstGeom prst="rect">
-            <a:avLst/>
-          </a:prstGeom>
         </p:spPr>
       </p:pic>
-      <p:sp>
-        <p:nvSpPr>
-          <p:cNvPr id="2" name="Title 1"/>
-          <p:cNvSpPr>
-            <a:spLocks noGrp="1"/>
-          </p:cNvSpPr>
-          <p:nvPr>
-            <p:ph type="title"/>
-          </p:nvPr>
-        </p:nvSpPr>
-        <p:spPr/>
-        <p:txBody>
-          <a:bodyPr/>
-          <a:lstStyle/>
-          <a:p>
-            <a:r>
-              <a:rPr lang="en-GB" dirty="0" smtClean="0"/>
-              <a:t>Front end</a:t>
-            </a:r>
-            <a:endParaRPr lang="en-GB" dirty="0"/>
-          </a:p>
-        </p:txBody>
-      </p:sp>
     </p:spTree>
     <p:extLst>
       <p:ext uri="{BB962C8B-B14F-4D97-AF65-F5344CB8AC3E}">
-        <p14:creationId xmlns:p14="http://schemas.microsoft.com/office/powerpoint/2010/main" val="3012699763"/>
+        <p14:creationId xmlns:p14="http://schemas.microsoft.com/office/powerpoint/2010/main" val="535711391"/>
       </p:ext>
     </p:extLst>
   </p:cSld>
   <p:clrMapOvr>
     <a:masterClrMapping/>
   </p:clrMapOvr>
-  <p:timing>
-    <p:tnLst>
-      <p:par>
-        <p:cTn id="1" dur="indefinite" restart="never" nodeType="tmRoot"/>
-      </p:par>
-    </p:tnLst>
-  </p:timing>
 </p:sld>
 </file>
 
